--- a/Project Pink/doc/Task07/MHC-pms TAKS 7.pptx
+++ b/Project Pink/doc/Task07/MHC-pms TAKS 7.pptx
@@ -5,13 +5,14 @@
     <p:sldMasterId id="2147483660" r:id="rId1"/>
   </p:sldMasterIdLst>
   <p:notesMasterIdLst>
-    <p:notesMasterId r:id="rId6"/>
+    <p:notesMasterId r:id="rId7"/>
   </p:notesMasterIdLst>
   <p:sldIdLst>
-    <p:sldId id="256" r:id="rId2"/>
+    <p:sldId id="263" r:id="rId2"/>
     <p:sldId id="257" r:id="rId3"/>
     <p:sldId id="261" r:id="rId4"/>
     <p:sldId id="262" r:id="rId5"/>
+    <p:sldId id="256" r:id="rId6"/>
   </p:sldIdLst>
   <p:sldSz cx="9144000" cy="6858000" type="screen4x3"/>
   <p:notesSz cx="6858000" cy="9144000"/>
@@ -225,7 +226,8 @@
           <a:p>
             <a:fld id="{06392E55-B848-4A87-8286-74FF24DBE09F}" type="datetimeFigureOut">
               <a:rPr lang="de-CH" smtClean="0"/>
-              <a:t>18.04.2013</a:t>
+              <a:pPr/>
+              <a:t>19.04.2013</a:t>
             </a:fld>
             <a:endParaRPr lang="de-CH"/>
           </a:p>
@@ -384,6 +386,7 @@
           <a:p>
             <a:fld id="{D645909B-DE3D-42BA-8D5F-DA988BBD025B}" type="slidenum">
               <a:rPr lang="de-CH" smtClean="0"/>
+              <a:pPr/>
               <a:t>‹Nr.›</a:t>
             </a:fld>
             <a:endParaRPr lang="de-CH"/>
@@ -393,7 +396,7 @@
     </p:spTree>
     <p:extLst>
       <p:ext uri="{BB962C8B-B14F-4D97-AF65-F5344CB8AC3E}">
-        <p14:creationId xmlns:p14="http://schemas.microsoft.com/office/powerpoint/2010/main" val="2836355673"/>
+        <p14:creationId xmlns:p14="http://schemas.microsoft.com/office/powerpoint/2010/main" xmlns="" val="2836355673"/>
       </p:ext>
     </p:extLst>
   </p:cSld>
@@ -608,6 +611,7 @@
           <a:p>
             <a:fld id="{D645909B-DE3D-42BA-8D5F-DA988BBD025B}" type="slidenum">
               <a:rPr lang="de-CH" smtClean="0"/>
+              <a:pPr/>
               <a:t>2</a:t>
             </a:fld>
             <a:endParaRPr lang="de-CH"/>
@@ -617,7 +621,7 @@
     </p:spTree>
     <p:extLst>
       <p:ext uri="{BB962C8B-B14F-4D97-AF65-F5344CB8AC3E}">
-        <p14:creationId xmlns:p14="http://schemas.microsoft.com/office/powerpoint/2010/main" val="499187048"/>
+        <p14:creationId xmlns:p14="http://schemas.microsoft.com/office/powerpoint/2010/main" xmlns="" val="499187048"/>
       </p:ext>
     </p:extLst>
   </p:cSld>
@@ -5463,10 +5467,10 @@
           <p:nvPr/>
         </p:nvPicPr>
         <p:blipFill>
-          <a:blip r:embed="rId3">
+          <a:blip r:embed="rId3" cstate="print">
             <a:extLst>
               <a:ext uri="{28A0092B-C50C-407E-A947-70E740481C1C}">
-                <a14:useLocalDpi xmlns:a14="http://schemas.microsoft.com/office/drawing/2010/main" val="0"/>
+                <a14:useLocalDpi xmlns:a14="http://schemas.microsoft.com/office/drawing/2010/main" xmlns="" val="0"/>
               </a:ext>
             </a:extLst>
           </a:blip>
@@ -5487,7 +5491,7 @@
     </p:spTree>
     <p:extLst>
       <p:ext uri="{BB962C8B-B14F-4D97-AF65-F5344CB8AC3E}">
-        <p14:creationId xmlns:p14="http://schemas.microsoft.com/office/powerpoint/2010/main" val="194796538"/>
+        <p14:creationId xmlns:p14="http://schemas.microsoft.com/office/powerpoint/2010/main" xmlns="" val="194796538"/>
       </p:ext>
     </p:extLst>
   </p:cSld>
@@ -5530,10 +5534,10 @@
           <p:nvPr/>
         </p:nvPicPr>
         <p:blipFill>
-          <a:blip r:embed="rId2">
+          <a:blip r:embed="rId2" cstate="print">
             <a:extLst>
               <a:ext uri="{28A0092B-C50C-407E-A947-70E740481C1C}">
-                <a14:useLocalDpi xmlns:a14="http://schemas.microsoft.com/office/drawing/2010/main" val="0"/>
+                <a14:useLocalDpi xmlns:a14="http://schemas.microsoft.com/office/drawing/2010/main" xmlns="" val="0"/>
               </a:ext>
             </a:extLst>
           </a:blip>
@@ -5554,7 +5558,7 @@
     </p:spTree>
     <p:extLst>
       <p:ext uri="{BB962C8B-B14F-4D97-AF65-F5344CB8AC3E}">
-        <p14:creationId xmlns:p14="http://schemas.microsoft.com/office/powerpoint/2010/main" val="203655813"/>
+        <p14:creationId xmlns:p14="http://schemas.microsoft.com/office/powerpoint/2010/main" xmlns="" val="203655813"/>
       </p:ext>
     </p:extLst>
   </p:cSld>
@@ -5597,10 +5601,10 @@
           <p:nvPr/>
         </p:nvPicPr>
         <p:blipFill>
-          <a:blip r:embed="rId2">
+          <a:blip r:embed="rId2" cstate="print">
             <a:extLst>
               <a:ext uri="{28A0092B-C50C-407E-A947-70E740481C1C}">
-                <a14:useLocalDpi xmlns:a14="http://schemas.microsoft.com/office/drawing/2010/main" val="0"/>
+                <a14:useLocalDpi xmlns:a14="http://schemas.microsoft.com/office/drawing/2010/main" xmlns="" val="0"/>
               </a:ext>
             </a:extLst>
           </a:blip>
@@ -5621,7 +5625,7 @@
     </p:spTree>
     <p:extLst>
       <p:ext uri="{BB962C8B-B14F-4D97-AF65-F5344CB8AC3E}">
-        <p14:creationId xmlns:p14="http://schemas.microsoft.com/office/powerpoint/2010/main" val="1580361269"/>
+        <p14:creationId xmlns:p14="http://schemas.microsoft.com/office/powerpoint/2010/main" xmlns="" val="1580361269"/>
       </p:ext>
     </p:extLst>
   </p:cSld>
@@ -5634,6 +5638,368 @@
         <p:cTn id="1" dur="indefinite" restart="never" nodeType="tmRoot"/>
       </p:par>
     </p:tnLst>
+  </p:timing>
+</p:sld>
+</file>
+
+<file path=ppt/slides/slide5.xml><?xml version="1.0" encoding="utf-8"?>
+<p:sld xmlns:a="http://schemas.openxmlformats.org/drawingml/2006/main" xmlns:r="http://schemas.openxmlformats.org/officeDocument/2006/relationships" xmlns:p="http://schemas.openxmlformats.org/presentationml/2006/main">
+  <p:cSld>
+    <p:spTree>
+      <p:nvGrpSpPr>
+        <p:cNvPr id="1" name=""/>
+        <p:cNvGrpSpPr/>
+        <p:nvPr/>
+      </p:nvGrpSpPr>
+      <p:grpSpPr>
+        <a:xfrm>
+          <a:off x="0" y="0"/>
+          <a:ext cx="0" cy="0"/>
+          <a:chOff x="0" y="0"/>
+          <a:chExt cx="0" cy="0"/>
+        </a:xfrm>
+      </p:grpSpPr>
+      <p:sp>
+        <p:nvSpPr>
+          <p:cNvPr id="2050" name="Rectangle 2"/>
+          <p:cNvSpPr>
+            <a:spLocks noGrp="1" noChangeArrowheads="1"/>
+          </p:cNvSpPr>
+          <p:nvPr>
+            <p:ph type="ctrTitle"/>
+          </p:nvPr>
+        </p:nvSpPr>
+        <p:spPr/>
+        <p:txBody>
+          <a:bodyPr/>
+          <a:lstStyle/>
+          <a:p>
+            <a:r>
+              <a:rPr lang="de-DE" dirty="0" err="1" smtClean="0"/>
+              <a:t>Thanks</a:t>
+            </a:r>
+            <a:endParaRPr lang="de-DE" dirty="0"/>
+          </a:p>
+        </p:txBody>
+      </p:sp>
+      <p:sp>
+        <p:nvSpPr>
+          <p:cNvPr id="2051" name="Rectangle 3"/>
+          <p:cNvSpPr>
+            <a:spLocks noGrp="1" noChangeArrowheads="1"/>
+          </p:cNvSpPr>
+          <p:nvPr>
+            <p:ph type="subTitle" idx="1"/>
+          </p:nvPr>
+        </p:nvSpPr>
+        <p:spPr/>
+        <p:txBody>
+          <a:bodyPr/>
+          <a:lstStyle/>
+          <a:p>
+            <a:r>
+              <a:rPr lang="de-DE" dirty="0" smtClean="0"/>
+              <a:t>Ist für heute wirklich </a:t>
+            </a:r>
+            <a:r>
+              <a:rPr lang="de-DE" dirty="0" err="1" smtClean="0"/>
+              <a:t>schluss</a:t>
+            </a:r>
+            <a:r>
+              <a:rPr lang="de-DE" dirty="0" smtClean="0"/>
+              <a:t>?</a:t>
+            </a:r>
+            <a:endParaRPr lang="de-DE" dirty="0"/>
+          </a:p>
+        </p:txBody>
+      </p:sp>
+      <p:pic>
+        <p:nvPicPr>
+          <p:cNvPr id="4" name="Grafik 3" descr="mascot.png"/>
+          <p:cNvPicPr>
+            <a:picLocks noChangeAspect="1"/>
+          </p:cNvPicPr>
+          <p:nvPr/>
+        </p:nvPicPr>
+        <p:blipFill>
+          <a:blip r:embed="rId2" cstate="print"/>
+          <a:stretch>
+            <a:fillRect/>
+          </a:stretch>
+        </p:blipFill>
+        <p:spPr>
+          <a:xfrm>
+            <a:off x="3275856" y="620688"/>
+            <a:ext cx="5634864" cy="4789635"/>
+          </a:xfrm>
+          <a:prstGeom prst="rect">
+            <a:avLst/>
+          </a:prstGeom>
+        </p:spPr>
+      </p:pic>
+      <p:sp>
+        <p:nvSpPr>
+          <p:cNvPr id="5" name="Rechteck 4"/>
+          <p:cNvSpPr/>
+          <p:nvPr/>
+        </p:nvSpPr>
+        <p:spPr>
+          <a:xfrm>
+            <a:off x="2008738" y="5171708"/>
+            <a:ext cx="6955750" cy="1569660"/>
+          </a:xfrm>
+          <a:prstGeom prst="rect">
+            <a:avLst/>
+          </a:prstGeom>
+          <a:noFill/>
+        </p:spPr>
+        <p:txBody>
+          <a:bodyPr wrap="none" lIns="91440" tIns="45720" rIns="91440" bIns="45720">
+            <a:spAutoFit/>
+          </a:bodyPr>
+          <a:lstStyle/>
+          <a:p>
+            <a:pPr algn="ctr"/>
+            <a:r>
+              <a:rPr lang="de-DE" sz="9600" b="1" cap="none" spc="0" dirty="0" smtClean="0">
+                <a:ln w="12700">
+                  <a:solidFill>
+                    <a:schemeClr val="tx2">
+                      <a:satMod val="155000"/>
+                    </a:schemeClr>
+                  </a:solidFill>
+                  <a:prstDash val="solid"/>
+                </a:ln>
+                <a:solidFill>
+                  <a:schemeClr val="bg2">
+                    <a:tint val="85000"/>
+                    <a:satMod val="155000"/>
+                  </a:schemeClr>
+                </a:solidFill>
+                <a:effectLst>
+                  <a:outerShdw blurRad="41275" dist="20320" dir="1800000" algn="tl" rotWithShape="0">
+                    <a:srgbClr val="000000">
+                      <a:alpha val="40000"/>
+                    </a:srgbClr>
+                  </a:outerShdw>
+                </a:effectLst>
+              </a:rPr>
+              <a:t>TEAM PINK</a:t>
+            </a:r>
+            <a:endParaRPr lang="de-DE" sz="9600" b="1" cap="none" spc="0" dirty="0">
+              <a:ln w="12700">
+                <a:solidFill>
+                  <a:schemeClr val="tx2">
+                    <a:satMod val="155000"/>
+                  </a:schemeClr>
+                </a:solidFill>
+                <a:prstDash val="solid"/>
+              </a:ln>
+              <a:solidFill>
+                <a:schemeClr val="bg2">
+                  <a:tint val="85000"/>
+                  <a:satMod val="155000"/>
+                </a:schemeClr>
+              </a:solidFill>
+              <a:effectLst>
+                <a:outerShdw blurRad="41275" dist="20320" dir="1800000" algn="tl" rotWithShape="0">
+                  <a:srgbClr val="000000">
+                    <a:alpha val="40000"/>
+                  </a:srgbClr>
+                </a:outerShdw>
+              </a:effectLst>
+            </a:endParaRPr>
+          </a:p>
+        </p:txBody>
+      </p:sp>
+    </p:spTree>
+  </p:cSld>
+  <p:clrMapOvr>
+    <a:masterClrMapping/>
+  </p:clrMapOvr>
+  <p:timing>
+    <p:tnLst>
+      <p:par>
+        <p:cTn id="1" dur="indefinite" restart="never" nodeType="tmRoot">
+          <p:childTnLst>
+            <p:seq concurrent="1" nextAc="seek">
+              <p:cTn id="2" dur="indefinite" nodeType="mainSeq">
+                <p:childTnLst>
+                  <p:par>
+                    <p:cTn id="3" fill="hold">
+                      <p:stCondLst>
+                        <p:cond delay="indefinite"/>
+                        <p:cond evt="onBegin" delay="0">
+                          <p:tn val="2"/>
+                        </p:cond>
+                      </p:stCondLst>
+                      <p:childTnLst>
+                        <p:par>
+                          <p:cTn id="4" fill="hold">
+                            <p:stCondLst>
+                              <p:cond delay="0"/>
+                            </p:stCondLst>
+                            <p:childTnLst>
+                              <p:par>
+                                <p:cTn id="5" presetID="34" presetClass="entr" presetSubtype="0" fill="hold" nodeType="afterEffect">
+                                  <p:stCondLst>
+                                    <p:cond delay="1000"/>
+                                  </p:stCondLst>
+                                  <p:childTnLst>
+                                    <p:set>
+                                      <p:cBhvr>
+                                        <p:cTn id="6" dur="1" fill="hold">
+                                          <p:stCondLst>
+                                            <p:cond delay="0"/>
+                                          </p:stCondLst>
+                                        </p:cTn>
+                                        <p:tgtEl>
+                                          <p:spTgt spid="4"/>
+                                        </p:tgtEl>
+                                        <p:attrNameLst>
+                                          <p:attrName>style.visibility</p:attrName>
+                                        </p:attrNameLst>
+                                      </p:cBhvr>
+                                      <p:to>
+                                        <p:strVal val="visible"/>
+                                      </p:to>
+                                    </p:set>
+                                    <p:anim from="(-#ppt_w/2)" to="(#ppt_x)" calcmode="lin" valueType="num">
+                                      <p:cBhvr>
+                                        <p:cTn id="7" dur="600" fill="hold">
+                                          <p:stCondLst>
+                                            <p:cond delay="0"/>
+                                          </p:stCondLst>
+                                        </p:cTn>
+                                        <p:tgtEl>
+                                          <p:spTgt spid="4"/>
+                                        </p:tgtEl>
+                                        <p:attrNameLst>
+                                          <p:attrName>ppt_x</p:attrName>
+                                        </p:attrNameLst>
+                                      </p:cBhvr>
+                                    </p:anim>
+                                    <p:anim from="0" to="-1.0" calcmode="lin" valueType="num">
+                                      <p:cBhvr>
+                                        <p:cTn id="8" dur="200" decel="50000" autoRev="1" fill="hold">
+                                          <p:stCondLst>
+                                            <p:cond delay="600"/>
+                                          </p:stCondLst>
+                                        </p:cTn>
+                                        <p:tgtEl>
+                                          <p:spTgt spid="4"/>
+                                        </p:tgtEl>
+                                        <p:attrNameLst>
+                                          <p:attrName>xshear</p:attrName>
+                                        </p:attrNameLst>
+                                      </p:cBhvr>
+                                    </p:anim>
+                                    <p:animScale>
+                                      <p:cBhvr>
+                                        <p:cTn id="9" dur="200" decel="100000" autoRev="1" fill="hold">
+                                          <p:stCondLst>
+                                            <p:cond delay="600"/>
+                                          </p:stCondLst>
+                                        </p:cTn>
+                                        <p:tgtEl>
+                                          <p:spTgt spid="4"/>
+                                        </p:tgtEl>
+                                      </p:cBhvr>
+                                      <p:from x="100000" y="100000"/>
+                                      <p:to x="80000" y="100000"/>
+                                    </p:animScale>
+                                    <p:anim by="(#ppt_h/3+#ppt_w*0.1)" calcmode="lin" valueType="num">
+                                      <p:cBhvr additive="sum">
+                                        <p:cTn id="10" dur="200" decel="100000" autoRev="1" fill="hold">
+                                          <p:stCondLst>
+                                            <p:cond delay="600"/>
+                                          </p:stCondLst>
+                                        </p:cTn>
+                                        <p:tgtEl>
+                                          <p:spTgt spid="4"/>
+                                        </p:tgtEl>
+                                        <p:attrNameLst>
+                                          <p:attrName>ppt_x</p:attrName>
+                                        </p:attrNameLst>
+                                      </p:cBhvr>
+                                    </p:anim>
+                                  </p:childTnLst>
+                                </p:cTn>
+                              </p:par>
+                            </p:childTnLst>
+                          </p:cTn>
+                        </p:par>
+                        <p:par>
+                          <p:cTn id="11" fill="hold">
+                            <p:stCondLst>
+                              <p:cond delay="2000"/>
+                            </p:stCondLst>
+                            <p:childTnLst>
+                              <p:par>
+                                <p:cTn id="12" presetID="18" presetClass="entr" presetSubtype="12" fill="hold" grpId="0" nodeType="afterEffect">
+                                  <p:stCondLst>
+                                    <p:cond delay="500"/>
+                                  </p:stCondLst>
+                                  <p:childTnLst>
+                                    <p:set>
+                                      <p:cBhvr>
+                                        <p:cTn id="13" dur="1" fill="hold">
+                                          <p:stCondLst>
+                                            <p:cond delay="0"/>
+                                          </p:stCondLst>
+                                        </p:cTn>
+                                        <p:tgtEl>
+                                          <p:spTgt spid="5"/>
+                                        </p:tgtEl>
+                                        <p:attrNameLst>
+                                          <p:attrName>style.visibility</p:attrName>
+                                        </p:attrNameLst>
+                                      </p:cBhvr>
+                                      <p:to>
+                                        <p:strVal val="visible"/>
+                                      </p:to>
+                                    </p:set>
+                                    <p:animEffect transition="in" filter="strips(downLeft)">
+                                      <p:cBhvr>
+                                        <p:cTn id="14" dur="500"/>
+                                        <p:tgtEl>
+                                          <p:spTgt spid="5"/>
+                                        </p:tgtEl>
+                                      </p:cBhvr>
+                                    </p:animEffect>
+                                  </p:childTnLst>
+                                </p:cTn>
+                              </p:par>
+                            </p:childTnLst>
+                          </p:cTn>
+                        </p:par>
+                      </p:childTnLst>
+                    </p:cTn>
+                  </p:par>
+                </p:childTnLst>
+              </p:cTn>
+              <p:prevCondLst>
+                <p:cond evt="onPrev" delay="0">
+                  <p:tgtEl>
+                    <p:sldTgt/>
+                  </p:tgtEl>
+                </p:cond>
+              </p:prevCondLst>
+              <p:nextCondLst>
+                <p:cond evt="onNext" delay="0">
+                  <p:tgtEl>
+                    <p:sldTgt/>
+                  </p:tgtEl>
+                </p:cond>
+              </p:nextCondLst>
+            </p:seq>
+          </p:childTnLst>
+        </p:cTn>
+      </p:par>
+    </p:tnLst>
+    <p:bldLst>
+      <p:bldP spid="5" grpId="0"/>
+    </p:bldLst>
   </p:timing>
 </p:sld>
 </file>
